--- a/企画書.pptx
+++ b/企画書.pptx
@@ -7,7 +7,9 @@
   <p:sldIdLst>
     <p:sldId id="256" r:id="rId2"/>
     <p:sldId id="257" r:id="rId3"/>
-    <p:sldId id="258" r:id="rId4"/>
+    <p:sldId id="260" r:id="rId4"/>
+    <p:sldId id="258" r:id="rId5"/>
+    <p:sldId id="259" r:id="rId6"/>
   </p:sldIdLst>
   <p:sldSz cx="12192000" cy="6858000"/>
   <p:notesSz cx="6858000" cy="9144000"/>
@@ -106,6 +108,11 @@
       </a:defRPr>
     </a:lvl9pPr>
   </p:defaultTextStyle>
+  <p:extLst>
+    <p:ext uri="{EFAFB233-063F-42B5-8137-9DF3F51BA10A}">
+      <p15:sldGuideLst xmlns:p15="http://schemas.microsoft.com/office/powerpoint/2012/main"/>
+    </p:ext>
+  </p:extLst>
 </p:presentation>
 </file>
 
@@ -240,7 +247,7 @@
           <a:p>
             <a:fld id="{7C2937A3-0116-4BBF-8F7E-46335611E2DA}" type="datetimeFigureOut">
               <a:rPr kumimoji="1" lang="ja-JP" altLang="en-US" smtClean="0"/>
-              <a:t>2025/4/14</a:t>
+              <a:t>2025/4/15</a:t>
             </a:fld>
             <a:endParaRPr kumimoji="1" lang="ja-JP" altLang="en-US"/>
           </a:p>
@@ -442,7 +449,7 @@
           <a:p>
             <a:fld id="{7C2937A3-0116-4BBF-8F7E-46335611E2DA}" type="datetimeFigureOut">
               <a:rPr kumimoji="1" lang="ja-JP" altLang="en-US" smtClean="0"/>
-              <a:t>2025/4/14</a:t>
+              <a:t>2025/4/15</a:t>
             </a:fld>
             <a:endParaRPr kumimoji="1" lang="ja-JP" altLang="en-US"/>
           </a:p>
@@ -654,7 +661,7 @@
           <a:p>
             <a:fld id="{7C2937A3-0116-4BBF-8F7E-46335611E2DA}" type="datetimeFigureOut">
               <a:rPr kumimoji="1" lang="ja-JP" altLang="en-US" smtClean="0"/>
-              <a:t>2025/4/14</a:t>
+              <a:t>2025/4/15</a:t>
             </a:fld>
             <a:endParaRPr kumimoji="1" lang="ja-JP" altLang="en-US"/>
           </a:p>
@@ -856,7 +863,7 @@
           <a:p>
             <a:fld id="{7C2937A3-0116-4BBF-8F7E-46335611E2DA}" type="datetimeFigureOut">
               <a:rPr kumimoji="1" lang="ja-JP" altLang="en-US" smtClean="0"/>
-              <a:t>2025/4/14</a:t>
+              <a:t>2025/4/15</a:t>
             </a:fld>
             <a:endParaRPr kumimoji="1" lang="ja-JP" altLang="en-US"/>
           </a:p>
@@ -1102,7 +1109,7 @@
           <a:p>
             <a:fld id="{7C2937A3-0116-4BBF-8F7E-46335611E2DA}" type="datetimeFigureOut">
               <a:rPr kumimoji="1" lang="ja-JP" altLang="en-US" smtClean="0"/>
-              <a:t>2025/4/14</a:t>
+              <a:t>2025/4/15</a:t>
             </a:fld>
             <a:endParaRPr kumimoji="1" lang="ja-JP" altLang="en-US"/>
           </a:p>
@@ -1398,7 +1405,7 @@
           <a:p>
             <a:fld id="{7C2937A3-0116-4BBF-8F7E-46335611E2DA}" type="datetimeFigureOut">
               <a:rPr kumimoji="1" lang="ja-JP" altLang="en-US" smtClean="0"/>
-              <a:t>2025/4/14</a:t>
+              <a:t>2025/4/15</a:t>
             </a:fld>
             <a:endParaRPr kumimoji="1" lang="ja-JP" altLang="en-US"/>
           </a:p>
@@ -1829,7 +1836,7 @@
           <a:p>
             <a:fld id="{7C2937A3-0116-4BBF-8F7E-46335611E2DA}" type="datetimeFigureOut">
               <a:rPr kumimoji="1" lang="ja-JP" altLang="en-US" smtClean="0"/>
-              <a:t>2025/4/14</a:t>
+              <a:t>2025/4/15</a:t>
             </a:fld>
             <a:endParaRPr kumimoji="1" lang="ja-JP" altLang="en-US"/>
           </a:p>
@@ -1947,7 +1954,7 @@
           <a:p>
             <a:fld id="{7C2937A3-0116-4BBF-8F7E-46335611E2DA}" type="datetimeFigureOut">
               <a:rPr kumimoji="1" lang="ja-JP" altLang="en-US" smtClean="0"/>
-              <a:t>2025/4/14</a:t>
+              <a:t>2025/4/15</a:t>
             </a:fld>
             <a:endParaRPr kumimoji="1" lang="ja-JP" altLang="en-US"/>
           </a:p>
@@ -2042,7 +2049,7 @@
           <a:p>
             <a:fld id="{7C2937A3-0116-4BBF-8F7E-46335611E2DA}" type="datetimeFigureOut">
               <a:rPr kumimoji="1" lang="ja-JP" altLang="en-US" smtClean="0"/>
-              <a:t>2025/4/14</a:t>
+              <a:t>2025/4/15</a:t>
             </a:fld>
             <a:endParaRPr kumimoji="1" lang="ja-JP" altLang="en-US"/>
           </a:p>
@@ -2351,7 +2358,7 @@
           <a:p>
             <a:fld id="{7C2937A3-0116-4BBF-8F7E-46335611E2DA}" type="datetimeFigureOut">
               <a:rPr kumimoji="1" lang="ja-JP" altLang="en-US" smtClean="0"/>
-              <a:t>2025/4/14</a:t>
+              <a:t>2025/4/15</a:t>
             </a:fld>
             <a:endParaRPr kumimoji="1" lang="ja-JP" altLang="en-US"/>
           </a:p>
@@ -2604,7 +2611,7 @@
           <a:p>
             <a:fld id="{7C2937A3-0116-4BBF-8F7E-46335611E2DA}" type="datetimeFigureOut">
               <a:rPr kumimoji="1" lang="ja-JP" altLang="en-US" smtClean="0"/>
-              <a:t>2025/4/14</a:t>
+              <a:t>2025/4/15</a:t>
             </a:fld>
             <a:endParaRPr kumimoji="1" lang="ja-JP" altLang="en-US"/>
           </a:p>
@@ -2849,7 +2856,7 @@
           <a:p>
             <a:fld id="{7C2937A3-0116-4BBF-8F7E-46335611E2DA}" type="datetimeFigureOut">
               <a:rPr kumimoji="1" lang="ja-JP" altLang="en-US" smtClean="0"/>
-              <a:t>2025/4/14</a:t>
+              <a:t>2025/4/15</a:t>
             </a:fld>
             <a:endParaRPr kumimoji="1" lang="ja-JP" altLang="en-US"/>
           </a:p>
@@ -3378,8 +3385,15 @@
             </a:r>
             <a:r>
               <a:rPr kumimoji="1" lang="ja-JP" altLang="en-US" dirty="0" smtClean="0"/>
-              <a:t>アクション無双ゲーム</a:t>
-            </a:r>
+              <a:t>アクション無双</a:t>
+            </a:r>
+            <a:r>
+              <a:rPr kumimoji="1" lang="ja-JP" altLang="en-US" dirty="0" smtClean="0"/>
+              <a:t>ゲーム</a:t>
+            </a:r>
+            <a:endParaRPr kumimoji="1" lang="en-US" altLang="ja-JP" dirty="0" smtClean="0"/>
+          </a:p>
+          <a:p>
             <a:endParaRPr kumimoji="1" lang="en-US" altLang="ja-JP" dirty="0" smtClean="0"/>
           </a:p>
           <a:p>
@@ -3393,10 +3407,20 @@
             </a:r>
           </a:p>
           <a:p>
+            <a:endParaRPr lang="en-US" altLang="ja-JP" dirty="0" smtClean="0"/>
+          </a:p>
+          <a:p>
             <a:r>
               <a:rPr kumimoji="1" lang="ja-JP" altLang="en-US" dirty="0" smtClean="0"/>
-              <a:t>操作対応：コントローラー</a:t>
-            </a:r>
+              <a:t>操作対応：</a:t>
+            </a:r>
+            <a:r>
+              <a:rPr kumimoji="1" lang="ja-JP" altLang="en-US" dirty="0" smtClean="0"/>
+              <a:t>コントローラー</a:t>
+            </a:r>
+            <a:endParaRPr kumimoji="1" lang="en-US" altLang="ja-JP" dirty="0" smtClean="0"/>
+          </a:p>
+          <a:p>
             <a:endParaRPr kumimoji="1" lang="en-US" altLang="ja-JP" dirty="0" smtClean="0"/>
           </a:p>
           <a:p>
@@ -3421,6 +3445,13 @@
   <p:clrMapOvr>
     <a:masterClrMapping/>
   </p:clrMapOvr>
+  <p:timing>
+    <p:tnLst>
+      <p:par>
+        <p:cTn id="1" dur="indefinite" restart="never" nodeType="tmRoot"/>
+      </p:par>
+    </p:tnLst>
+  </p:timing>
 </p:sld>
 </file>
 
@@ -3457,6 +3488,103 @@
           <a:lstStyle/>
           <a:p>
             <a:r>
+              <a:rPr kumimoji="1" lang="ja-JP" altLang="en-US" dirty="0" smtClean="0"/>
+              <a:t>コンセプト</a:t>
+            </a:r>
+            <a:endParaRPr kumimoji="1" lang="ja-JP" altLang="en-US" dirty="0"/>
+          </a:p>
+        </p:txBody>
+      </p:sp>
+      <p:sp>
+        <p:nvSpPr>
+          <p:cNvPr id="3" name="コンテンツ プレースホルダー 2"/>
+          <p:cNvSpPr>
+            <a:spLocks noGrp="1"/>
+          </p:cNvSpPr>
+          <p:nvPr>
+            <p:ph idx="1"/>
+          </p:nvPr>
+        </p:nvSpPr>
+        <p:spPr/>
+        <p:txBody>
+          <a:bodyPr/>
+          <a:lstStyle/>
+          <a:p>
+            <a:r>
+              <a:rPr lang="ja-JP" altLang="en-US" dirty="0"/>
+              <a:t>立体</a:t>
+            </a:r>
+            <a:r>
+              <a:rPr lang="ja-JP" altLang="en-US" dirty="0" smtClean="0"/>
+              <a:t>空間を動き回り、脱出を妨げる研究員をスキルを駆使して</a:t>
+            </a:r>
+            <a:endParaRPr lang="en-US" altLang="ja-JP" dirty="0" smtClean="0"/>
+          </a:p>
+          <a:p>
+            <a:pPr marL="0" indent="0">
+              <a:buNone/>
+            </a:pPr>
+            <a:r>
+              <a:rPr kumimoji="1" lang="ja-JP" altLang="en-US" smtClean="0"/>
+              <a:t>なぎ倒す爽快アクションゲーム</a:t>
+            </a:r>
+            <a:endParaRPr kumimoji="1" lang="ja-JP" altLang="en-US" dirty="0"/>
+          </a:p>
+        </p:txBody>
+      </p:sp>
+    </p:spTree>
+    <p:extLst>
+      <p:ext uri="{BB962C8B-B14F-4D97-AF65-F5344CB8AC3E}">
+        <p14:creationId xmlns:p14="http://schemas.microsoft.com/office/powerpoint/2010/main" val="2000027885"/>
+      </p:ext>
+    </p:extLst>
+  </p:cSld>
+  <p:clrMapOvr>
+    <a:masterClrMapping/>
+  </p:clrMapOvr>
+  <p:timing>
+    <p:tnLst>
+      <p:par>
+        <p:cTn id="1" dur="indefinite" restart="never" nodeType="tmRoot"/>
+      </p:par>
+    </p:tnLst>
+  </p:timing>
+</p:sld>
+</file>
+
+<file path=ppt/slides/slide4.xml><?xml version="1.0" encoding="utf-8"?>
+<p:sld xmlns:a="http://schemas.openxmlformats.org/drawingml/2006/main" xmlns:r="http://schemas.openxmlformats.org/officeDocument/2006/relationships" xmlns:p="http://schemas.openxmlformats.org/presentationml/2006/main">
+  <p:cSld>
+    <p:spTree>
+      <p:nvGrpSpPr>
+        <p:cNvPr id="1" name=""/>
+        <p:cNvGrpSpPr/>
+        <p:nvPr/>
+      </p:nvGrpSpPr>
+      <p:grpSpPr>
+        <a:xfrm>
+          <a:off x="0" y="0"/>
+          <a:ext cx="0" cy="0"/>
+          <a:chOff x="0" y="0"/>
+          <a:chExt cx="0" cy="0"/>
+        </a:xfrm>
+      </p:grpSpPr>
+      <p:sp>
+        <p:nvSpPr>
+          <p:cNvPr id="2" name="タイトル 1"/>
+          <p:cNvSpPr>
+            <a:spLocks noGrp="1"/>
+          </p:cNvSpPr>
+          <p:nvPr>
+            <p:ph type="title"/>
+          </p:nvPr>
+        </p:nvSpPr>
+        <p:spPr/>
+        <p:txBody>
+          <a:bodyPr/>
+          <a:lstStyle/>
+          <a:p>
+            <a:r>
               <a:rPr lang="ja-JP" altLang="en-US" dirty="0" smtClean="0"/>
               <a:t>ゲーム内容</a:t>
             </a:r>
@@ -3476,7 +3604,9 @@
         </p:nvSpPr>
         <p:spPr/>
         <p:txBody>
-          <a:bodyPr/>
+          <a:bodyPr>
+            <a:normAutofit/>
+          </a:bodyPr>
           <a:lstStyle/>
           <a:p>
             <a:r>
@@ -3489,6 +3619,31 @@
             <a:endParaRPr lang="en-US" altLang="ja-JP" dirty="0" smtClean="0"/>
           </a:p>
           <a:p>
+            <a:r>
+              <a:rPr kumimoji="1" lang="ja-JP" altLang="en-US" dirty="0" smtClean="0"/>
+              <a:t>プレイヤーのレベルアップ機能があり、レベルアップすることでステータスが上がる。またスキルも複数の中から</a:t>
+            </a:r>
+            <a:r>
+              <a:rPr kumimoji="1" lang="en-US" altLang="ja-JP" dirty="0" smtClean="0"/>
+              <a:t>1</a:t>
+            </a:r>
+            <a:r>
+              <a:rPr kumimoji="1" lang="ja-JP" altLang="en-US" dirty="0" smtClean="0"/>
+              <a:t>個選ぶことができる</a:t>
+            </a:r>
+            <a:endParaRPr kumimoji="1" lang="en-US" altLang="ja-JP" dirty="0" smtClean="0"/>
+          </a:p>
+          <a:p>
+            <a:pPr marL="0" indent="0">
+              <a:buNone/>
+            </a:pPr>
+            <a:endParaRPr lang="en-US" altLang="ja-JP" dirty="0" smtClean="0"/>
+          </a:p>
+          <a:p>
+            <a:r>
+              <a:rPr kumimoji="1" lang="ja-JP" altLang="en-US" dirty="0" smtClean="0"/>
+              <a:t>スキルはアクティブとパッシブの２種類があり、アクティブスキルは合成することで新しいスキルができる。</a:t>
+            </a:r>
             <a:endParaRPr kumimoji="1" lang="ja-JP" altLang="en-US" dirty="0"/>
           </a:p>
         </p:txBody>
@@ -3503,6 +3658,502 @@
   <p:clrMapOvr>
     <a:masterClrMapping/>
   </p:clrMapOvr>
+  <p:timing>
+    <p:tnLst>
+      <p:par>
+        <p:cTn id="1" dur="indefinite" restart="never" nodeType="tmRoot"/>
+      </p:par>
+    </p:tnLst>
+  </p:timing>
+</p:sld>
+</file>
+
+<file path=ppt/slides/slide5.xml><?xml version="1.0" encoding="utf-8"?>
+<p:sld xmlns:a="http://schemas.openxmlformats.org/drawingml/2006/main" xmlns:r="http://schemas.openxmlformats.org/officeDocument/2006/relationships" xmlns:p="http://schemas.openxmlformats.org/presentationml/2006/main">
+  <p:cSld>
+    <p:spTree>
+      <p:nvGrpSpPr>
+        <p:cNvPr id="1" name=""/>
+        <p:cNvGrpSpPr/>
+        <p:nvPr/>
+      </p:nvGrpSpPr>
+      <p:grpSpPr>
+        <a:xfrm>
+          <a:off x="0" y="0"/>
+          <a:ext cx="0" cy="0"/>
+          <a:chOff x="0" y="0"/>
+          <a:chExt cx="0" cy="0"/>
+        </a:xfrm>
+      </p:grpSpPr>
+      <p:sp>
+        <p:nvSpPr>
+          <p:cNvPr id="4" name="楕円 3"/>
+          <p:cNvSpPr/>
+          <p:nvPr/>
+        </p:nvSpPr>
+        <p:spPr>
+          <a:xfrm>
+            <a:off x="4123112" y="3050771"/>
+            <a:ext cx="2593571" cy="955964"/>
+          </a:xfrm>
+          <a:prstGeom prst="ellipse">
+            <a:avLst/>
+          </a:prstGeom>
+          <a:solidFill>
+            <a:schemeClr val="bg1"/>
+          </a:solidFill>
+        </p:spPr>
+        <p:style>
+          <a:lnRef idx="2">
+            <a:schemeClr val="accent1">
+              <a:shade val="50000"/>
+            </a:schemeClr>
+          </a:lnRef>
+          <a:fillRef idx="1">
+            <a:schemeClr val="accent1"/>
+          </a:fillRef>
+          <a:effectRef idx="0">
+            <a:schemeClr val="accent1"/>
+          </a:effectRef>
+          <a:fontRef idx="minor">
+            <a:schemeClr val="lt1"/>
+          </a:fontRef>
+        </p:style>
+        <p:txBody>
+          <a:bodyPr rtlCol="0" anchor="ctr"/>
+          <a:lstStyle/>
+          <a:p>
+            <a:pPr algn="ctr"/>
+            <a:r>
+              <a:rPr kumimoji="1" lang="ja-JP" altLang="en-US" dirty="0" smtClean="0">
+                <a:solidFill>
+                  <a:schemeClr val="tx1"/>
+                </a:solidFill>
+              </a:rPr>
+              <a:t>プレイヤー</a:t>
+            </a:r>
+            <a:endParaRPr kumimoji="1" lang="ja-JP" altLang="en-US" dirty="0">
+              <a:solidFill>
+                <a:schemeClr val="tx1"/>
+              </a:solidFill>
+            </a:endParaRPr>
+          </a:p>
+        </p:txBody>
+      </p:sp>
+      <p:sp>
+        <p:nvSpPr>
+          <p:cNvPr id="5" name="正方形/長方形 4"/>
+          <p:cNvSpPr/>
+          <p:nvPr/>
+        </p:nvSpPr>
+        <p:spPr>
+          <a:xfrm>
+            <a:off x="8512234" y="5744093"/>
+            <a:ext cx="3546764" cy="881149"/>
+          </a:xfrm>
+          <a:prstGeom prst="rect">
+            <a:avLst/>
+          </a:prstGeom>
+        </p:spPr>
+        <p:style>
+          <a:lnRef idx="2">
+            <a:schemeClr val="accent1">
+              <a:shade val="50000"/>
+            </a:schemeClr>
+          </a:lnRef>
+          <a:fillRef idx="1">
+            <a:schemeClr val="accent1"/>
+          </a:fillRef>
+          <a:effectRef idx="0">
+            <a:schemeClr val="accent1"/>
+          </a:effectRef>
+          <a:fontRef idx="minor">
+            <a:schemeClr val="lt1"/>
+          </a:fontRef>
+        </p:style>
+        <p:txBody>
+          <a:bodyPr rtlCol="0" anchor="ctr"/>
+          <a:lstStyle/>
+          <a:p>
+            <a:pPr algn="ctr"/>
+            <a:endParaRPr kumimoji="1" lang="ja-JP" altLang="en-US"/>
+          </a:p>
+        </p:txBody>
+      </p:sp>
+      <p:sp>
+        <p:nvSpPr>
+          <p:cNvPr id="7" name="テキスト ボックス 6"/>
+          <p:cNvSpPr txBox="1"/>
+          <p:nvPr/>
+        </p:nvSpPr>
+        <p:spPr>
+          <a:xfrm flipH="1">
+            <a:off x="8781013" y="6000001"/>
+            <a:ext cx="2842952" cy="369332"/>
+          </a:xfrm>
+          <a:prstGeom prst="rect">
+            <a:avLst/>
+          </a:prstGeom>
+          <a:noFill/>
+        </p:spPr>
+        <p:txBody>
+          <a:bodyPr wrap="square" rtlCol="0">
+            <a:spAutoFit/>
+          </a:bodyPr>
+          <a:lstStyle/>
+          <a:p>
+            <a:pPr algn="ctr"/>
+            <a:r>
+              <a:rPr kumimoji="1" lang="ja-JP" altLang="en-US" dirty="0" smtClean="0"/>
+              <a:t>体力</a:t>
+            </a:r>
+            <a:endParaRPr kumimoji="1" lang="ja-JP" altLang="en-US" dirty="0"/>
+          </a:p>
+        </p:txBody>
+      </p:sp>
+      <p:sp>
+        <p:nvSpPr>
+          <p:cNvPr id="8" name="正方形/長方形 7"/>
+          <p:cNvSpPr/>
+          <p:nvPr/>
+        </p:nvSpPr>
+        <p:spPr>
+          <a:xfrm>
+            <a:off x="3341716" y="5744093"/>
+            <a:ext cx="3940233" cy="881149"/>
+          </a:xfrm>
+          <a:prstGeom prst="rect">
+            <a:avLst/>
+          </a:prstGeom>
+        </p:spPr>
+        <p:style>
+          <a:lnRef idx="2">
+            <a:schemeClr val="accent1">
+              <a:shade val="50000"/>
+            </a:schemeClr>
+          </a:lnRef>
+          <a:fillRef idx="1">
+            <a:schemeClr val="accent1"/>
+          </a:fillRef>
+          <a:effectRef idx="0">
+            <a:schemeClr val="accent1"/>
+          </a:effectRef>
+          <a:fontRef idx="minor">
+            <a:schemeClr val="lt1"/>
+          </a:fontRef>
+        </p:style>
+        <p:txBody>
+          <a:bodyPr rtlCol="0" anchor="ctr"/>
+          <a:lstStyle/>
+          <a:p>
+            <a:pPr algn="ctr"/>
+            <a:r>
+              <a:rPr kumimoji="1" lang="ja-JP" altLang="en-US" dirty="0" smtClean="0">
+                <a:solidFill>
+                  <a:schemeClr val="tx1"/>
+                </a:solidFill>
+              </a:rPr>
+              <a:t>スキル（アクティブ）</a:t>
+            </a:r>
+            <a:endParaRPr kumimoji="1" lang="ja-JP" altLang="en-US" dirty="0">
+              <a:solidFill>
+                <a:schemeClr val="tx1"/>
+              </a:solidFill>
+            </a:endParaRPr>
+          </a:p>
+        </p:txBody>
+      </p:sp>
+      <p:sp>
+        <p:nvSpPr>
+          <p:cNvPr id="10" name="正方形/長方形 9"/>
+          <p:cNvSpPr/>
+          <p:nvPr/>
+        </p:nvSpPr>
+        <p:spPr>
+          <a:xfrm>
+            <a:off x="72043" y="5793968"/>
+            <a:ext cx="2834640" cy="781398"/>
+          </a:xfrm>
+          <a:prstGeom prst="rect">
+            <a:avLst/>
+          </a:prstGeom>
+        </p:spPr>
+        <p:style>
+          <a:lnRef idx="2">
+            <a:schemeClr val="accent1">
+              <a:shade val="50000"/>
+            </a:schemeClr>
+          </a:lnRef>
+          <a:fillRef idx="1">
+            <a:schemeClr val="accent1"/>
+          </a:fillRef>
+          <a:effectRef idx="0">
+            <a:schemeClr val="accent1"/>
+          </a:effectRef>
+          <a:fontRef idx="minor">
+            <a:schemeClr val="lt1"/>
+          </a:fontRef>
+        </p:style>
+        <p:txBody>
+          <a:bodyPr rtlCol="0" anchor="ctr"/>
+          <a:lstStyle/>
+          <a:p>
+            <a:pPr algn="ctr"/>
+            <a:r>
+              <a:rPr kumimoji="1" lang="ja-JP" altLang="en-US" dirty="0" smtClean="0">
+                <a:solidFill>
+                  <a:schemeClr val="tx1"/>
+                </a:solidFill>
+              </a:rPr>
+              <a:t>スキル（パッシブ）</a:t>
+            </a:r>
+            <a:endParaRPr kumimoji="1" lang="ja-JP" altLang="en-US" dirty="0">
+              <a:solidFill>
+                <a:schemeClr val="tx1"/>
+              </a:solidFill>
+            </a:endParaRPr>
+          </a:p>
+        </p:txBody>
+      </p:sp>
+      <p:sp>
+        <p:nvSpPr>
+          <p:cNvPr id="12" name="楕円 11"/>
+          <p:cNvSpPr/>
+          <p:nvPr/>
+        </p:nvSpPr>
+        <p:spPr>
+          <a:xfrm>
+            <a:off x="450271" y="340822"/>
+            <a:ext cx="2043547" cy="1679171"/>
+          </a:xfrm>
+          <a:prstGeom prst="ellipse">
+            <a:avLst/>
+          </a:prstGeom>
+          <a:solidFill>
+            <a:schemeClr val="bg1"/>
+          </a:solidFill>
+        </p:spPr>
+        <p:style>
+          <a:lnRef idx="2">
+            <a:schemeClr val="accent1">
+              <a:shade val="50000"/>
+            </a:schemeClr>
+          </a:lnRef>
+          <a:fillRef idx="1">
+            <a:schemeClr val="accent1"/>
+          </a:fillRef>
+          <a:effectRef idx="0">
+            <a:schemeClr val="accent1"/>
+          </a:effectRef>
+          <a:fontRef idx="minor">
+            <a:schemeClr val="lt1"/>
+          </a:fontRef>
+        </p:style>
+        <p:txBody>
+          <a:bodyPr rtlCol="0" anchor="ctr"/>
+          <a:lstStyle/>
+          <a:p>
+            <a:pPr algn="ctr"/>
+            <a:r>
+              <a:rPr kumimoji="1" lang="ja-JP" altLang="en-US" dirty="0" smtClean="0">
+                <a:solidFill>
+                  <a:schemeClr val="tx1"/>
+                </a:solidFill>
+              </a:rPr>
+              <a:t>マップ</a:t>
+            </a:r>
+            <a:endParaRPr kumimoji="1" lang="en-US" altLang="ja-JP" dirty="0" smtClean="0">
+              <a:solidFill>
+                <a:schemeClr val="tx1"/>
+              </a:solidFill>
+            </a:endParaRPr>
+          </a:p>
+          <a:p>
+            <a:pPr algn="ctr"/>
+            <a:r>
+              <a:rPr kumimoji="1" lang="ja-JP" altLang="en-US" dirty="0" smtClean="0">
+                <a:solidFill>
+                  <a:schemeClr val="tx1"/>
+                </a:solidFill>
+              </a:rPr>
+              <a:t>（未定）</a:t>
+            </a:r>
+            <a:endParaRPr kumimoji="1" lang="ja-JP" altLang="en-US" dirty="0">
+              <a:solidFill>
+                <a:schemeClr val="tx1"/>
+              </a:solidFill>
+            </a:endParaRPr>
+          </a:p>
+        </p:txBody>
+      </p:sp>
+      <p:sp>
+        <p:nvSpPr>
+          <p:cNvPr id="13" name="正方形/長方形 12"/>
+          <p:cNvSpPr/>
+          <p:nvPr/>
+        </p:nvSpPr>
+        <p:spPr>
+          <a:xfrm>
+            <a:off x="7281949" y="182880"/>
+            <a:ext cx="4777049" cy="1205345"/>
+          </a:xfrm>
+          <a:prstGeom prst="rect">
+            <a:avLst/>
+          </a:prstGeom>
+          <a:solidFill>
+            <a:schemeClr val="bg1"/>
+          </a:solidFill>
+        </p:spPr>
+        <p:style>
+          <a:lnRef idx="2">
+            <a:schemeClr val="accent1">
+              <a:shade val="50000"/>
+            </a:schemeClr>
+          </a:lnRef>
+          <a:fillRef idx="1">
+            <a:schemeClr val="accent1"/>
+          </a:fillRef>
+          <a:effectRef idx="0">
+            <a:schemeClr val="accent1"/>
+          </a:effectRef>
+          <a:fontRef idx="minor">
+            <a:schemeClr val="lt1"/>
+          </a:fontRef>
+        </p:style>
+        <p:txBody>
+          <a:bodyPr rtlCol="0" anchor="ctr"/>
+          <a:lstStyle/>
+          <a:p>
+            <a:pPr algn="ctr"/>
+            <a:r>
+              <a:rPr kumimoji="1" lang="ja-JP" altLang="en-US" dirty="0" smtClean="0">
+                <a:solidFill>
+                  <a:schemeClr val="tx1"/>
+                </a:solidFill>
+              </a:rPr>
+              <a:t>敵ステータス</a:t>
+            </a:r>
+            <a:endParaRPr kumimoji="1" lang="ja-JP" altLang="en-US" dirty="0">
+              <a:solidFill>
+                <a:schemeClr val="tx1"/>
+              </a:solidFill>
+            </a:endParaRPr>
+          </a:p>
+        </p:txBody>
+      </p:sp>
+      <p:sp>
+        <p:nvSpPr>
+          <p:cNvPr id="15" name="正方形/長方形 14"/>
+          <p:cNvSpPr/>
+          <p:nvPr/>
+        </p:nvSpPr>
+        <p:spPr>
+          <a:xfrm>
+            <a:off x="0" y="5245331"/>
+            <a:ext cx="12192000" cy="1612669"/>
+          </a:xfrm>
+          <a:prstGeom prst="rect">
+            <a:avLst/>
+          </a:prstGeom>
+          <a:noFill/>
+        </p:spPr>
+        <p:style>
+          <a:lnRef idx="2">
+            <a:schemeClr val="accent1">
+              <a:shade val="50000"/>
+            </a:schemeClr>
+          </a:lnRef>
+          <a:fillRef idx="1">
+            <a:schemeClr val="accent1"/>
+          </a:fillRef>
+          <a:effectRef idx="0">
+            <a:schemeClr val="accent1"/>
+          </a:effectRef>
+          <a:fontRef idx="minor">
+            <a:schemeClr val="lt1"/>
+          </a:fontRef>
+        </p:style>
+        <p:txBody>
+          <a:bodyPr rtlCol="0" anchor="ctr"/>
+          <a:lstStyle/>
+          <a:p>
+            <a:pPr algn="ctr"/>
+            <a:endParaRPr kumimoji="1" lang="ja-JP" altLang="en-US"/>
+          </a:p>
+        </p:txBody>
+      </p:sp>
+      <p:sp>
+        <p:nvSpPr>
+          <p:cNvPr id="16" name="正方形/長方形 15"/>
+          <p:cNvSpPr/>
+          <p:nvPr/>
+        </p:nvSpPr>
+        <p:spPr>
+          <a:xfrm>
+            <a:off x="2685011" y="5029199"/>
+            <a:ext cx="6096002" cy="432260"/>
+          </a:xfrm>
+          <a:prstGeom prst="rect">
+            <a:avLst/>
+          </a:prstGeom>
+          <a:solidFill>
+            <a:schemeClr val="bg1"/>
+          </a:solidFill>
+        </p:spPr>
+        <p:style>
+          <a:lnRef idx="2">
+            <a:schemeClr val="accent1">
+              <a:shade val="50000"/>
+            </a:schemeClr>
+          </a:lnRef>
+          <a:fillRef idx="1">
+            <a:schemeClr val="accent1"/>
+          </a:fillRef>
+          <a:effectRef idx="0">
+            <a:schemeClr val="accent1"/>
+          </a:effectRef>
+          <a:fontRef idx="minor">
+            <a:schemeClr val="lt1"/>
+          </a:fontRef>
+        </p:style>
+        <p:txBody>
+          <a:bodyPr rtlCol="0" anchor="ctr"/>
+          <a:lstStyle/>
+          <a:p>
+            <a:pPr algn="ctr"/>
+            <a:r>
+              <a:rPr lang="ja-JP" altLang="en-US" dirty="0" smtClean="0">
+                <a:solidFill>
+                  <a:schemeClr val="tx1"/>
+                </a:solidFill>
+              </a:rPr>
+              <a:t>プレイヤーステータス</a:t>
+            </a:r>
+            <a:endParaRPr kumimoji="1" lang="ja-JP" altLang="en-US" dirty="0">
+              <a:solidFill>
+                <a:schemeClr val="tx1"/>
+              </a:solidFill>
+            </a:endParaRPr>
+          </a:p>
+        </p:txBody>
+      </p:sp>
+    </p:spTree>
+    <p:extLst>
+      <p:ext uri="{BB962C8B-B14F-4D97-AF65-F5344CB8AC3E}">
+        <p14:creationId xmlns:p14="http://schemas.microsoft.com/office/powerpoint/2010/main" val="1209510032"/>
+      </p:ext>
+    </p:extLst>
+  </p:cSld>
+  <p:clrMapOvr>
+    <a:masterClrMapping/>
+  </p:clrMapOvr>
+  <p:timing>
+    <p:tnLst>
+      <p:par>
+        <p:cTn id="1" dur="indefinite" restart="never" nodeType="tmRoot"/>
+      </p:par>
+    </p:tnLst>
+  </p:timing>
 </p:sld>
 </file>
 
